--- a/Итог/documents/Защита.pptx
+++ b/Итог/documents/Защита.pptx
@@ -14,6 +14,7 @@
     <p:sldId id="261" r:id="rId8"/>
     <p:sldId id="262" r:id="rId9"/>
     <p:sldId id="263" r:id="rId10"/>
+    <p:sldId id="265" r:id="rId11"/>
   </p:sldIdLst>
   <p:sldSz cx="12192000" cy="6858000"/>
   <p:notesSz cx="6858000" cy="9144000"/>
@@ -865,7 +866,7 @@
           <a:p>
             <a:fld id="{7ACAC0DB-12FE-4AF3-B2D9-13562504199B}" type="datetimeFigureOut">
               <a:rPr lang="en-US" smtClean="0"/>
-              <a:t>11/8/2023</a:t>
+              <a:t>11/12/2023</a:t>
             </a:fld>
             <a:endParaRPr lang="en-US"/>
           </a:p>
@@ -1116,7 +1117,7 @@
           <a:p>
             <a:fld id="{7ACAC0DB-12FE-4AF3-B2D9-13562504199B}" type="datetimeFigureOut">
               <a:rPr lang="en-US" smtClean="0"/>
-              <a:t>11/8/2023</a:t>
+              <a:t>11/12/2023</a:t>
             </a:fld>
             <a:endParaRPr lang="en-US"/>
           </a:p>
@@ -1430,7 +1431,7 @@
           <a:p>
             <a:fld id="{7ACAC0DB-12FE-4AF3-B2D9-13562504199B}" type="datetimeFigureOut">
               <a:rPr lang="en-US" smtClean="0"/>
-              <a:t>11/8/2023</a:t>
+              <a:t>11/12/2023</a:t>
             </a:fld>
             <a:endParaRPr lang="en-US"/>
           </a:p>
@@ -1763,7 +1764,7 @@
           <a:p>
             <a:fld id="{7ACAC0DB-12FE-4AF3-B2D9-13562504199B}" type="datetimeFigureOut">
               <a:rPr lang="en-US" smtClean="0"/>
-              <a:t>11/8/2023</a:t>
+              <a:t>11/12/2023</a:t>
             </a:fld>
             <a:endParaRPr lang="en-US"/>
           </a:p>
@@ -2077,7 +2078,7 @@
           <a:p>
             <a:fld id="{7ACAC0DB-12FE-4AF3-B2D9-13562504199B}" type="datetimeFigureOut">
               <a:rPr lang="en-US" smtClean="0"/>
-              <a:t>11/8/2023</a:t>
+              <a:t>11/12/2023</a:t>
             </a:fld>
             <a:endParaRPr lang="en-US"/>
           </a:p>
@@ -2470,7 +2471,7 @@
           <a:p>
             <a:fld id="{7ACAC0DB-12FE-4AF3-B2D9-13562504199B}" type="datetimeFigureOut">
               <a:rPr lang="en-US" smtClean="0"/>
-              <a:t>11/8/2023</a:t>
+              <a:t>11/12/2023</a:t>
             </a:fld>
             <a:endParaRPr lang="en-US"/>
           </a:p>
@@ -2640,7 +2641,7 @@
           <a:p>
             <a:fld id="{7ACAC0DB-12FE-4AF3-B2D9-13562504199B}" type="datetimeFigureOut">
               <a:rPr lang="en-US" smtClean="0"/>
-              <a:t>11/8/2023</a:t>
+              <a:t>11/12/2023</a:t>
             </a:fld>
             <a:endParaRPr lang="en-US"/>
           </a:p>
@@ -2820,7 +2821,7 @@
           <a:p>
             <a:fld id="{7ACAC0DB-12FE-4AF3-B2D9-13562504199B}" type="datetimeFigureOut">
               <a:rPr lang="en-US" smtClean="0"/>
-              <a:t>11/8/2023</a:t>
+              <a:t>11/12/2023</a:t>
             </a:fld>
             <a:endParaRPr lang="en-US"/>
           </a:p>
@@ -2990,7 +2991,7 @@
           <a:p>
             <a:fld id="{7ACAC0DB-12FE-4AF3-B2D9-13562504199B}" type="datetimeFigureOut">
               <a:rPr lang="en-US" smtClean="0"/>
-              <a:t>11/8/2023</a:t>
+              <a:t>11/12/2023</a:t>
             </a:fld>
             <a:endParaRPr lang="en-US"/>
           </a:p>
@@ -3237,7 +3238,7 @@
           <a:p>
             <a:fld id="{7ACAC0DB-12FE-4AF3-B2D9-13562504199B}" type="datetimeFigureOut">
               <a:rPr lang="en-US" smtClean="0"/>
-              <a:t>11/8/2023</a:t>
+              <a:t>11/12/2023</a:t>
             </a:fld>
             <a:endParaRPr lang="en-US"/>
           </a:p>
@@ -3469,7 +3470,7 @@
           <a:p>
             <a:fld id="{7ACAC0DB-12FE-4AF3-B2D9-13562504199B}" type="datetimeFigureOut">
               <a:rPr lang="en-US" smtClean="0"/>
-              <a:t>11/8/2023</a:t>
+              <a:t>11/12/2023</a:t>
             </a:fld>
             <a:endParaRPr lang="en-US"/>
           </a:p>
@@ -3843,7 +3844,7 @@
           <a:p>
             <a:fld id="{7ACAC0DB-12FE-4AF3-B2D9-13562504199B}" type="datetimeFigureOut">
               <a:rPr lang="en-US" smtClean="0"/>
-              <a:t>11/8/2023</a:t>
+              <a:t>11/12/2023</a:t>
             </a:fld>
             <a:endParaRPr lang="en-US"/>
           </a:p>
@@ -3966,7 +3967,7 @@
           <a:p>
             <a:fld id="{7ACAC0DB-12FE-4AF3-B2D9-13562504199B}" type="datetimeFigureOut">
               <a:rPr lang="en-US" smtClean="0"/>
-              <a:t>11/8/2023</a:t>
+              <a:t>11/12/2023</a:t>
             </a:fld>
             <a:endParaRPr lang="en-US"/>
           </a:p>
@@ -4061,7 +4062,7 @@
           <a:p>
             <a:fld id="{7ACAC0DB-12FE-4AF3-B2D9-13562504199B}" type="datetimeFigureOut">
               <a:rPr lang="en-US" smtClean="0"/>
-              <a:t>11/8/2023</a:t>
+              <a:t>11/12/2023</a:t>
             </a:fld>
             <a:endParaRPr lang="en-US"/>
           </a:p>
@@ -4316,7 +4317,7 @@
           <a:p>
             <a:fld id="{7ACAC0DB-12FE-4AF3-B2D9-13562504199B}" type="datetimeFigureOut">
               <a:rPr lang="en-US" smtClean="0"/>
-              <a:t>11/8/2023</a:t>
+              <a:t>11/12/2023</a:t>
             </a:fld>
             <a:endParaRPr lang="en-US"/>
           </a:p>
@@ -4621,7 +4622,7 @@
           <a:p>
             <a:fld id="{7ACAC0DB-12FE-4AF3-B2D9-13562504199B}" type="datetimeFigureOut">
               <a:rPr lang="en-US" smtClean="0"/>
-              <a:t>11/8/2023</a:t>
+              <a:t>11/12/2023</a:t>
             </a:fld>
             <a:endParaRPr lang="en-US"/>
           </a:p>
@@ -5323,7 +5324,7 @@
           <a:p>
             <a:fld id="{7ACAC0DB-12FE-4AF3-B2D9-13562504199B}" type="datetimeFigureOut">
               <a:rPr lang="en-US" smtClean="0"/>
-              <a:t>11/8/2023</a:t>
+              <a:t>11/12/2023</a:t>
             </a:fld>
             <a:endParaRPr lang="en-US"/>
           </a:p>
@@ -5852,7 +5853,7 @@
           <p:cNvPr id="2" name="Заголовок 1">
             <a:extLst>
               <a:ext uri="{FF2B5EF4-FFF2-40B4-BE49-F238E27FC236}">
-                <a16:creationId xmlns:a16="http://schemas.microsoft.com/office/drawing/2014/main" xmlns="" id="{2048453C-5E26-4904-8B3A-64B3184960C9}"/>
+                <a16:creationId xmlns:a16="http://schemas.microsoft.com/office/drawing/2014/main" id="{2048453C-5E26-4904-8B3A-64B3184960C9}"/>
               </a:ext>
             </a:extLst>
           </p:cNvPr>
@@ -5884,7 +5885,7 @@
           <p:cNvPr id="3" name="Подзаголовок 2">
             <a:extLst>
               <a:ext uri="{FF2B5EF4-FFF2-40B4-BE49-F238E27FC236}">
-                <a16:creationId xmlns:a16="http://schemas.microsoft.com/office/drawing/2014/main" xmlns="" id="{13CF11AC-FF2E-4E17-A49E-9491CEAE8E21}"/>
+                <a16:creationId xmlns:a16="http://schemas.microsoft.com/office/drawing/2014/main" id="{13CF11AC-FF2E-4E17-A49E-9491CEAE8E21}"/>
               </a:ext>
             </a:extLst>
           </p:cNvPr>
@@ -5928,6 +5929,123 @@
     <p:extLst>
       <p:ext uri="{BB962C8B-B14F-4D97-AF65-F5344CB8AC3E}">
         <p14:creationId xmlns:p14="http://schemas.microsoft.com/office/powerpoint/2010/main" val="4070101689"/>
+      </p:ext>
+    </p:extLst>
+  </p:cSld>
+  <p:clrMapOvr>
+    <a:masterClrMapping/>
+  </p:clrMapOvr>
+</p:sld>
+</file>
+
+<file path=ppt/slides/slide10.xml><?xml version="1.0" encoding="utf-8"?>
+<p:sld xmlns:a="http://schemas.openxmlformats.org/drawingml/2006/main" xmlns:r="http://schemas.openxmlformats.org/officeDocument/2006/relationships" xmlns:p="http://schemas.openxmlformats.org/presentationml/2006/main">
+  <p:cSld>
+    <p:spTree>
+      <p:nvGrpSpPr>
+        <p:cNvPr id="1" name=""/>
+        <p:cNvGrpSpPr/>
+        <p:nvPr/>
+      </p:nvGrpSpPr>
+      <p:grpSpPr>
+        <a:xfrm>
+          <a:off x="0" y="0"/>
+          <a:ext cx="0" cy="0"/>
+          <a:chOff x="0" y="0"/>
+          <a:chExt cx="0" cy="0"/>
+        </a:xfrm>
+      </p:grpSpPr>
+      <p:sp>
+        <p:nvSpPr>
+          <p:cNvPr id="2" name="Заголовок 1">
+            <a:extLst>
+              <a:ext uri="{FF2B5EF4-FFF2-40B4-BE49-F238E27FC236}">
+                <a16:creationId xmlns:a16="http://schemas.microsoft.com/office/drawing/2014/main" id="{E3B08979-AF6F-46A0-873F-946A62E79A21}"/>
+              </a:ext>
+            </a:extLst>
+          </p:cNvPr>
+          <p:cNvSpPr>
+            <a:spLocks noGrp="1"/>
+          </p:cNvSpPr>
+          <p:nvPr>
+            <p:ph type="title"/>
+          </p:nvPr>
+        </p:nvSpPr>
+        <p:spPr/>
+        <p:txBody>
+          <a:bodyPr/>
+          <a:lstStyle/>
+          <a:p>
+            <a:pPr algn="ctr"/>
+            <a:r>
+              <a:rPr lang="ru-RU" dirty="0"/>
+              <a:t>Итог</a:t>
+            </a:r>
+            <a:endParaRPr lang="en-US" dirty="0"/>
+          </a:p>
+        </p:txBody>
+      </p:sp>
+      <p:sp>
+        <p:nvSpPr>
+          <p:cNvPr id="3" name="Объект 2">
+            <a:extLst>
+              <a:ext uri="{FF2B5EF4-FFF2-40B4-BE49-F238E27FC236}">
+                <a16:creationId xmlns:a16="http://schemas.microsoft.com/office/drawing/2014/main" id="{A7B42BD4-6E14-4419-8C16-5F68E63EDF87}"/>
+              </a:ext>
+            </a:extLst>
+          </p:cNvPr>
+          <p:cNvSpPr>
+            <a:spLocks noGrp="1"/>
+          </p:cNvSpPr>
+          <p:nvPr>
+            <p:ph idx="1"/>
+          </p:nvPr>
+        </p:nvSpPr>
+        <p:spPr/>
+        <p:txBody>
+          <a:bodyPr/>
+          <a:lstStyle/>
+          <a:p>
+            <a:pPr marL="0" indent="0">
+              <a:buNone/>
+            </a:pPr>
+            <a:r>
+              <a:rPr lang="ru-RU" dirty="0"/>
+              <a:t>Возможности для доработки</a:t>
+            </a:r>
+            <a:r>
+              <a:rPr lang="en-US" dirty="0"/>
+              <a:t>:</a:t>
+            </a:r>
+          </a:p>
+          <a:p>
+            <a:r>
+              <a:rPr lang="ru-RU" dirty="0"/>
+              <a:t>Новый функционал</a:t>
+            </a:r>
+          </a:p>
+          <a:p>
+            <a:r>
+              <a:rPr lang="ru-RU" dirty="0"/>
+              <a:t>Исправление багов </a:t>
+            </a:r>
+            <a:r>
+              <a:rPr lang="ru-RU"/>
+              <a:t>и ошибок</a:t>
+            </a:r>
+          </a:p>
+          <a:p>
+            <a:pPr marL="0" indent="0">
+              <a:buNone/>
+            </a:pPr>
+            <a:endParaRPr lang="en-US" dirty="0"/>
+          </a:p>
+        </p:txBody>
+      </p:sp>
+    </p:spTree>
+    <p:extLst>
+      <p:ext uri="{BB962C8B-B14F-4D97-AF65-F5344CB8AC3E}">
+        <p14:creationId xmlns:p14="http://schemas.microsoft.com/office/powerpoint/2010/main" val="240009208"/>
       </p:ext>
     </p:extLst>
   </p:cSld>
@@ -5959,7 +6077,7 @@
           <p:cNvPr id="2" name="Заголовок 1">
             <a:extLst>
               <a:ext uri="{FF2B5EF4-FFF2-40B4-BE49-F238E27FC236}">
-                <a16:creationId xmlns:a16="http://schemas.microsoft.com/office/drawing/2014/main" xmlns="" id="{341628B2-D40F-4CD3-8B50-7C2A53431FC3}"/>
+                <a16:creationId xmlns:a16="http://schemas.microsoft.com/office/drawing/2014/main" id="{341628B2-D40F-4CD3-8B50-7C2A53431FC3}"/>
               </a:ext>
             </a:extLst>
           </p:cNvPr>
@@ -5994,7 +6112,7 @@
           <p:cNvPr id="3" name="Объект 2">
             <a:extLst>
               <a:ext uri="{FF2B5EF4-FFF2-40B4-BE49-F238E27FC236}">
-                <a16:creationId xmlns:a16="http://schemas.microsoft.com/office/drawing/2014/main" xmlns="" id="{ED51400D-477A-4020-B459-B59724E0A9F9}"/>
+                <a16:creationId xmlns:a16="http://schemas.microsoft.com/office/drawing/2014/main" id="{ED51400D-477A-4020-B459-B59724E0A9F9}"/>
               </a:ext>
             </a:extLst>
           </p:cNvPr>
@@ -6124,10 +6242,9 @@
           <a:lstStyle/>
           <a:p>
             <a:r>
-              <a:rPr lang="ru-RU" dirty="0" smtClean="0"/>
+              <a:rPr lang="ru-RU" dirty="0"/>
               <a:t>Суть проекта</a:t>
             </a:r>
-            <a:endParaRPr lang="ru-RU" dirty="0"/>
           </a:p>
         </p:txBody>
       </p:sp>
@@ -6150,15 +6267,15 @@
               <a:buNone/>
             </a:pPr>
             <a:r>
-              <a:rPr lang="ru-RU" dirty="0" smtClean="0"/>
+              <a:rPr lang="ru-RU" dirty="0"/>
               <a:t>Подсчитывать удобное расположение планет для экономии топлива в игре </a:t>
             </a:r>
             <a:r>
-              <a:rPr lang="en-US" dirty="0" err="1" smtClean="0"/>
+              <a:rPr lang="en-US" dirty="0" err="1"/>
               <a:t>Kerbal</a:t>
             </a:r>
             <a:r>
-              <a:rPr lang="en-US" dirty="0" smtClean="0"/>
+              <a:rPr lang="en-US" dirty="0"/>
               <a:t> Space Program. </a:t>
             </a:r>
             <a:endParaRPr lang="ru-RU" dirty="0"/>
@@ -6200,7 +6317,7 @@
           <p:cNvPr id="2" name="Заголовок 1">
             <a:extLst>
               <a:ext uri="{FF2B5EF4-FFF2-40B4-BE49-F238E27FC236}">
-                <a16:creationId xmlns:a16="http://schemas.microsoft.com/office/drawing/2014/main" xmlns="" id="{27DBA316-61C3-4EF8-A53B-8218F483DB4E}"/>
+                <a16:creationId xmlns:a16="http://schemas.microsoft.com/office/drawing/2014/main" id="{27DBA316-61C3-4EF8-A53B-8218F483DB4E}"/>
               </a:ext>
             </a:extLst>
           </p:cNvPr>
@@ -6229,7 +6346,7 @@
           <p:cNvPr id="5" name="Объект 4">
             <a:extLst>
               <a:ext uri="{FF2B5EF4-FFF2-40B4-BE49-F238E27FC236}">
-                <a16:creationId xmlns:a16="http://schemas.microsoft.com/office/drawing/2014/main" xmlns="" id="{9001019D-4732-4D3B-BDF7-061A3AB7B4C0}"/>
+                <a16:creationId xmlns:a16="http://schemas.microsoft.com/office/drawing/2014/main" id="{9001019D-4732-4D3B-BDF7-061A3AB7B4C0}"/>
               </a:ext>
             </a:extLst>
           </p:cNvPr>
@@ -6258,7 +6375,7 @@
           <p:cNvPr id="7" name="Рисунок 6">
             <a:extLst>
               <a:ext uri="{FF2B5EF4-FFF2-40B4-BE49-F238E27FC236}">
-                <a16:creationId xmlns:a16="http://schemas.microsoft.com/office/drawing/2014/main" xmlns="" id="{FE387349-8ECD-485B-B18B-0FDC31207ED9}"/>
+                <a16:creationId xmlns:a16="http://schemas.microsoft.com/office/drawing/2014/main" id="{FE387349-8ECD-485B-B18B-0FDC31207ED9}"/>
               </a:ext>
             </a:extLst>
           </p:cNvPr>
@@ -6318,7 +6435,7 @@
           <p:cNvPr id="2" name="Заголовок 1">
             <a:extLst>
               <a:ext uri="{FF2B5EF4-FFF2-40B4-BE49-F238E27FC236}">
-                <a16:creationId xmlns:a16="http://schemas.microsoft.com/office/drawing/2014/main" xmlns="" id="{3938270C-1D3D-4B40-AB7F-674AB465968A}"/>
+                <a16:creationId xmlns:a16="http://schemas.microsoft.com/office/drawing/2014/main" id="{3938270C-1D3D-4B40-AB7F-674AB465968A}"/>
               </a:ext>
             </a:extLst>
           </p:cNvPr>
@@ -6348,7 +6465,7 @@
           <p:cNvPr id="3" name="Объект 2">
             <a:extLst>
               <a:ext uri="{FF2B5EF4-FFF2-40B4-BE49-F238E27FC236}">
-                <a16:creationId xmlns:a16="http://schemas.microsoft.com/office/drawing/2014/main" xmlns="" id="{D72C61FA-0815-4348-A957-D7462E1FB73D}"/>
+                <a16:creationId xmlns:a16="http://schemas.microsoft.com/office/drawing/2014/main" id="{D72C61FA-0815-4348-A957-D7462E1FB73D}"/>
               </a:ext>
             </a:extLst>
           </p:cNvPr>
@@ -6376,7 +6493,7 @@
           <p:cNvPr id="4" name="Рисунок 3">
             <a:extLst>
               <a:ext uri="{FF2B5EF4-FFF2-40B4-BE49-F238E27FC236}">
-                <a16:creationId xmlns:a16="http://schemas.microsoft.com/office/drawing/2014/main" xmlns="" id="{A72F350E-6FFC-48CA-BAB7-D829493E5F73}"/>
+                <a16:creationId xmlns:a16="http://schemas.microsoft.com/office/drawing/2014/main" id="{A72F350E-6FFC-48CA-BAB7-D829493E5F73}"/>
               </a:ext>
             </a:extLst>
           </p:cNvPr>
@@ -6406,7 +6523,7 @@
           <p:cNvPr id="6" name="Рисунок 5">
             <a:extLst>
               <a:ext uri="{FF2B5EF4-FFF2-40B4-BE49-F238E27FC236}">
-                <a16:creationId xmlns:a16="http://schemas.microsoft.com/office/drawing/2014/main" xmlns="" id="{CFDCD85A-941D-429A-940A-2283B4035C42}"/>
+                <a16:creationId xmlns:a16="http://schemas.microsoft.com/office/drawing/2014/main" id="{CFDCD85A-941D-429A-940A-2283B4035C42}"/>
               </a:ext>
             </a:extLst>
           </p:cNvPr>
@@ -6466,7 +6583,7 @@
           <p:cNvPr id="2" name="Заголовок 1">
             <a:extLst>
               <a:ext uri="{FF2B5EF4-FFF2-40B4-BE49-F238E27FC236}">
-                <a16:creationId xmlns:a16="http://schemas.microsoft.com/office/drawing/2014/main" xmlns="" id="{6536C699-A272-4942-9848-7A6E7AF148F6}"/>
+                <a16:creationId xmlns:a16="http://schemas.microsoft.com/office/drawing/2014/main" id="{6536C699-A272-4942-9848-7A6E7AF148F6}"/>
               </a:ext>
             </a:extLst>
           </p:cNvPr>
@@ -6496,7 +6613,7 @@
           <p:cNvPr id="5" name="Объект 4">
             <a:extLst>
               <a:ext uri="{FF2B5EF4-FFF2-40B4-BE49-F238E27FC236}">
-                <a16:creationId xmlns:a16="http://schemas.microsoft.com/office/drawing/2014/main" xmlns="" id="{87C9BD61-FCB8-40C7-872D-728C91E219B5}"/>
+                <a16:creationId xmlns:a16="http://schemas.microsoft.com/office/drawing/2014/main" id="{87C9BD61-FCB8-40C7-872D-728C91E219B5}"/>
               </a:ext>
             </a:extLst>
           </p:cNvPr>
@@ -6555,7 +6672,7 @@
           <p:cNvPr id="2" name="Заголовок 1">
             <a:extLst>
               <a:ext uri="{FF2B5EF4-FFF2-40B4-BE49-F238E27FC236}">
-                <a16:creationId xmlns:a16="http://schemas.microsoft.com/office/drawing/2014/main" xmlns="" id="{8C9E077C-11B4-4E6E-9F96-C2A80AE28A5B}"/>
+                <a16:creationId xmlns:a16="http://schemas.microsoft.com/office/drawing/2014/main" id="{8C9E077C-11B4-4E6E-9F96-C2A80AE28A5B}"/>
               </a:ext>
             </a:extLst>
           </p:cNvPr>
@@ -6585,7 +6702,7 @@
           <p:cNvPr id="3" name="Объект 2">
             <a:extLst>
               <a:ext uri="{FF2B5EF4-FFF2-40B4-BE49-F238E27FC236}">
-                <a16:creationId xmlns:a16="http://schemas.microsoft.com/office/drawing/2014/main" xmlns="" id="{A44462AE-97AC-46F9-92BA-B80B041D9285}"/>
+                <a16:creationId xmlns:a16="http://schemas.microsoft.com/office/drawing/2014/main" id="{A44462AE-97AC-46F9-92BA-B80B041D9285}"/>
               </a:ext>
             </a:extLst>
           </p:cNvPr>
@@ -6610,7 +6727,7 @@
           <p:cNvPr id="5" name="Рисунок 4">
             <a:extLst>
               <a:ext uri="{FF2B5EF4-FFF2-40B4-BE49-F238E27FC236}">
-                <a16:creationId xmlns:a16="http://schemas.microsoft.com/office/drawing/2014/main" xmlns="" id="{2666280C-23AD-4C99-BBFA-390A7BBF5E31}"/>
+                <a16:creationId xmlns:a16="http://schemas.microsoft.com/office/drawing/2014/main" id="{2666280C-23AD-4C99-BBFA-390A7BBF5E31}"/>
               </a:ext>
             </a:extLst>
           </p:cNvPr>
@@ -6640,7 +6757,7 @@
           <p:cNvPr id="7" name="Рисунок 6">
             <a:extLst>
               <a:ext uri="{FF2B5EF4-FFF2-40B4-BE49-F238E27FC236}">
-                <a16:creationId xmlns:a16="http://schemas.microsoft.com/office/drawing/2014/main" xmlns="" id="{BFA76665-0C6F-44B7-9D09-F4FE0F0BBB48}"/>
+                <a16:creationId xmlns:a16="http://schemas.microsoft.com/office/drawing/2014/main" id="{BFA76665-0C6F-44B7-9D09-F4FE0F0BBB48}"/>
               </a:ext>
             </a:extLst>
           </p:cNvPr>
@@ -6670,7 +6787,7 @@
           <p:cNvPr id="8" name="Рисунок 7">
             <a:extLst>
               <a:ext uri="{FF2B5EF4-FFF2-40B4-BE49-F238E27FC236}">
-                <a16:creationId xmlns:a16="http://schemas.microsoft.com/office/drawing/2014/main" xmlns="" id="{A883C4B3-2486-4A1B-A149-9F97E1B4CB23}"/>
+                <a16:creationId xmlns:a16="http://schemas.microsoft.com/office/drawing/2014/main" id="{A883C4B3-2486-4A1B-A149-9F97E1B4CB23}"/>
               </a:ext>
             </a:extLst>
           </p:cNvPr>
@@ -6734,7 +6851,7 @@
           <p:cNvPr id="2" name="Заголовок 1">
             <a:extLst>
               <a:ext uri="{FF2B5EF4-FFF2-40B4-BE49-F238E27FC236}">
-                <a16:creationId xmlns:a16="http://schemas.microsoft.com/office/drawing/2014/main" xmlns="" id="{2CAA724A-623F-4D9F-82E6-BE1BADCA498E}"/>
+                <a16:creationId xmlns:a16="http://schemas.microsoft.com/office/drawing/2014/main" id="{2CAA724A-623F-4D9F-82E6-BE1BADCA498E}"/>
               </a:ext>
             </a:extLst>
           </p:cNvPr>
@@ -6764,7 +6881,7 @@
           <p:cNvPr id="3" name="Объект 2">
             <a:extLst>
               <a:ext uri="{FF2B5EF4-FFF2-40B4-BE49-F238E27FC236}">
-                <a16:creationId xmlns:a16="http://schemas.microsoft.com/office/drawing/2014/main" xmlns="" id="{54E90647-A606-4AB0-A961-724F352BB227}"/>
+                <a16:creationId xmlns:a16="http://schemas.microsoft.com/office/drawing/2014/main" id="{54E90647-A606-4AB0-A961-724F352BB227}"/>
               </a:ext>
             </a:extLst>
           </p:cNvPr>
@@ -6789,7 +6906,7 @@
           <p:cNvPr id="5" name="Рисунок 4">
             <a:extLst>
               <a:ext uri="{FF2B5EF4-FFF2-40B4-BE49-F238E27FC236}">
-                <a16:creationId xmlns:a16="http://schemas.microsoft.com/office/drawing/2014/main" xmlns="" id="{DD367225-B96C-4225-8AB6-A2DF6E921382}"/>
+                <a16:creationId xmlns:a16="http://schemas.microsoft.com/office/drawing/2014/main" id="{DD367225-B96C-4225-8AB6-A2DF6E921382}"/>
               </a:ext>
             </a:extLst>
           </p:cNvPr>
@@ -6819,7 +6936,7 @@
           <p:cNvPr id="7" name="Рисунок 6">
             <a:extLst>
               <a:ext uri="{FF2B5EF4-FFF2-40B4-BE49-F238E27FC236}">
-                <a16:creationId xmlns:a16="http://schemas.microsoft.com/office/drawing/2014/main" xmlns="" id="{28C91373-D782-40ED-8BAF-7616682AF2DC}"/>
+                <a16:creationId xmlns:a16="http://schemas.microsoft.com/office/drawing/2014/main" id="{28C91373-D782-40ED-8BAF-7616682AF2DC}"/>
               </a:ext>
             </a:extLst>
           </p:cNvPr>
@@ -6879,7 +6996,7 @@
           <p:cNvPr id="2" name="Заголовок 1">
             <a:extLst>
               <a:ext uri="{FF2B5EF4-FFF2-40B4-BE49-F238E27FC236}">
-                <a16:creationId xmlns:a16="http://schemas.microsoft.com/office/drawing/2014/main" xmlns="" id="{884AF71F-5CB9-4D2E-A0E8-4F23C9E8D799}"/>
+                <a16:creationId xmlns:a16="http://schemas.microsoft.com/office/drawing/2014/main" id="{884AF71F-5CB9-4D2E-A0E8-4F23C9E8D799}"/>
               </a:ext>
             </a:extLst>
           </p:cNvPr>
@@ -6909,7 +7026,7 @@
           <p:cNvPr id="5" name="Объект 4">
             <a:extLst>
               <a:ext uri="{FF2B5EF4-FFF2-40B4-BE49-F238E27FC236}">
-                <a16:creationId xmlns:a16="http://schemas.microsoft.com/office/drawing/2014/main" xmlns="" id="{42C73890-1DBB-4856-A879-931DCFD7F9FB}"/>
+                <a16:creationId xmlns:a16="http://schemas.microsoft.com/office/drawing/2014/main" id="{42C73890-1DBB-4856-A879-931DCFD7F9FB}"/>
               </a:ext>
             </a:extLst>
           </p:cNvPr>
@@ -6938,7 +7055,7 @@
           <p:cNvPr id="7" name="Рисунок 6">
             <a:extLst>
               <a:ext uri="{FF2B5EF4-FFF2-40B4-BE49-F238E27FC236}">
-                <a16:creationId xmlns:a16="http://schemas.microsoft.com/office/drawing/2014/main" xmlns="" id="{763FE8F0-2F9C-4700-A768-86411877E4A0}"/>
+                <a16:creationId xmlns:a16="http://schemas.microsoft.com/office/drawing/2014/main" id="{763FE8F0-2F9C-4700-A768-86411877E4A0}"/>
               </a:ext>
             </a:extLst>
           </p:cNvPr>

--- a/Итог/documents/Защита.pptx
+++ b/Итог/documents/Защита.pptx
@@ -14,7 +14,8 @@
     <p:sldId id="261" r:id="rId8"/>
     <p:sldId id="262" r:id="rId9"/>
     <p:sldId id="263" r:id="rId10"/>
-    <p:sldId id="265" r:id="rId11"/>
+    <p:sldId id="266" r:id="rId11"/>
+    <p:sldId id="265" r:id="rId12"/>
   </p:sldIdLst>
   <p:sldSz cx="12192000" cy="6858000"/>
   <p:notesSz cx="6858000" cy="9144000"/>
@@ -866,7 +867,7 @@
           <a:p>
             <a:fld id="{7ACAC0DB-12FE-4AF3-B2D9-13562504199B}" type="datetimeFigureOut">
               <a:rPr lang="en-US" smtClean="0"/>
-              <a:t>11/12/2023</a:t>
+              <a:t>11/14/2023</a:t>
             </a:fld>
             <a:endParaRPr lang="en-US"/>
           </a:p>
@@ -1117,7 +1118,7 @@
           <a:p>
             <a:fld id="{7ACAC0DB-12FE-4AF3-B2D9-13562504199B}" type="datetimeFigureOut">
               <a:rPr lang="en-US" smtClean="0"/>
-              <a:t>11/12/2023</a:t>
+              <a:t>11/14/2023</a:t>
             </a:fld>
             <a:endParaRPr lang="en-US"/>
           </a:p>
@@ -1431,7 +1432,7 @@
           <a:p>
             <a:fld id="{7ACAC0DB-12FE-4AF3-B2D9-13562504199B}" type="datetimeFigureOut">
               <a:rPr lang="en-US" smtClean="0"/>
-              <a:t>11/12/2023</a:t>
+              <a:t>11/14/2023</a:t>
             </a:fld>
             <a:endParaRPr lang="en-US"/>
           </a:p>
@@ -1764,7 +1765,7 @@
           <a:p>
             <a:fld id="{7ACAC0DB-12FE-4AF3-B2D9-13562504199B}" type="datetimeFigureOut">
               <a:rPr lang="en-US" smtClean="0"/>
-              <a:t>11/12/2023</a:t>
+              <a:t>11/14/2023</a:t>
             </a:fld>
             <a:endParaRPr lang="en-US"/>
           </a:p>
@@ -2078,7 +2079,7 @@
           <a:p>
             <a:fld id="{7ACAC0DB-12FE-4AF3-B2D9-13562504199B}" type="datetimeFigureOut">
               <a:rPr lang="en-US" smtClean="0"/>
-              <a:t>11/12/2023</a:t>
+              <a:t>11/14/2023</a:t>
             </a:fld>
             <a:endParaRPr lang="en-US"/>
           </a:p>
@@ -2471,7 +2472,7 @@
           <a:p>
             <a:fld id="{7ACAC0DB-12FE-4AF3-B2D9-13562504199B}" type="datetimeFigureOut">
               <a:rPr lang="en-US" smtClean="0"/>
-              <a:t>11/12/2023</a:t>
+              <a:t>11/14/2023</a:t>
             </a:fld>
             <a:endParaRPr lang="en-US"/>
           </a:p>
@@ -2641,7 +2642,7 @@
           <a:p>
             <a:fld id="{7ACAC0DB-12FE-4AF3-B2D9-13562504199B}" type="datetimeFigureOut">
               <a:rPr lang="en-US" smtClean="0"/>
-              <a:t>11/12/2023</a:t>
+              <a:t>11/14/2023</a:t>
             </a:fld>
             <a:endParaRPr lang="en-US"/>
           </a:p>
@@ -2821,7 +2822,7 @@
           <a:p>
             <a:fld id="{7ACAC0DB-12FE-4AF3-B2D9-13562504199B}" type="datetimeFigureOut">
               <a:rPr lang="en-US" smtClean="0"/>
-              <a:t>11/12/2023</a:t>
+              <a:t>11/14/2023</a:t>
             </a:fld>
             <a:endParaRPr lang="en-US"/>
           </a:p>
@@ -2991,7 +2992,7 @@
           <a:p>
             <a:fld id="{7ACAC0DB-12FE-4AF3-B2D9-13562504199B}" type="datetimeFigureOut">
               <a:rPr lang="en-US" smtClean="0"/>
-              <a:t>11/12/2023</a:t>
+              <a:t>11/14/2023</a:t>
             </a:fld>
             <a:endParaRPr lang="en-US"/>
           </a:p>
@@ -3238,7 +3239,7 @@
           <a:p>
             <a:fld id="{7ACAC0DB-12FE-4AF3-B2D9-13562504199B}" type="datetimeFigureOut">
               <a:rPr lang="en-US" smtClean="0"/>
-              <a:t>11/12/2023</a:t>
+              <a:t>11/14/2023</a:t>
             </a:fld>
             <a:endParaRPr lang="en-US"/>
           </a:p>
@@ -3470,7 +3471,7 @@
           <a:p>
             <a:fld id="{7ACAC0DB-12FE-4AF3-B2D9-13562504199B}" type="datetimeFigureOut">
               <a:rPr lang="en-US" smtClean="0"/>
-              <a:t>11/12/2023</a:t>
+              <a:t>11/14/2023</a:t>
             </a:fld>
             <a:endParaRPr lang="en-US"/>
           </a:p>
@@ -3844,7 +3845,7 @@
           <a:p>
             <a:fld id="{7ACAC0DB-12FE-4AF3-B2D9-13562504199B}" type="datetimeFigureOut">
               <a:rPr lang="en-US" smtClean="0"/>
-              <a:t>11/12/2023</a:t>
+              <a:t>11/14/2023</a:t>
             </a:fld>
             <a:endParaRPr lang="en-US"/>
           </a:p>
@@ -3967,7 +3968,7 @@
           <a:p>
             <a:fld id="{7ACAC0DB-12FE-4AF3-B2D9-13562504199B}" type="datetimeFigureOut">
               <a:rPr lang="en-US" smtClean="0"/>
-              <a:t>11/12/2023</a:t>
+              <a:t>11/14/2023</a:t>
             </a:fld>
             <a:endParaRPr lang="en-US"/>
           </a:p>
@@ -4062,7 +4063,7 @@
           <a:p>
             <a:fld id="{7ACAC0DB-12FE-4AF3-B2D9-13562504199B}" type="datetimeFigureOut">
               <a:rPr lang="en-US" smtClean="0"/>
-              <a:t>11/12/2023</a:t>
+              <a:t>11/14/2023</a:t>
             </a:fld>
             <a:endParaRPr lang="en-US"/>
           </a:p>
@@ -4317,7 +4318,7 @@
           <a:p>
             <a:fld id="{7ACAC0DB-12FE-4AF3-B2D9-13562504199B}" type="datetimeFigureOut">
               <a:rPr lang="en-US" smtClean="0"/>
-              <a:t>11/12/2023</a:t>
+              <a:t>11/14/2023</a:t>
             </a:fld>
             <a:endParaRPr lang="en-US"/>
           </a:p>
@@ -4622,7 +4623,7 @@
           <a:p>
             <a:fld id="{7ACAC0DB-12FE-4AF3-B2D9-13562504199B}" type="datetimeFigureOut">
               <a:rPr lang="en-US" smtClean="0"/>
-              <a:t>11/12/2023</a:t>
+              <a:t>11/14/2023</a:t>
             </a:fld>
             <a:endParaRPr lang="en-US"/>
           </a:p>
@@ -5324,7 +5325,7 @@
           <a:p>
             <a:fld id="{7ACAC0DB-12FE-4AF3-B2D9-13562504199B}" type="datetimeFigureOut">
               <a:rPr lang="en-US" smtClean="0"/>
-              <a:t>11/12/2023</a:t>
+              <a:t>11/14/2023</a:t>
             </a:fld>
             <a:endParaRPr lang="en-US"/>
           </a:p>
@@ -5960,6 +5961,93 @@
           <p:cNvPr id="2" name="Заголовок 1">
             <a:extLst>
               <a:ext uri="{FF2B5EF4-FFF2-40B4-BE49-F238E27FC236}">
+                <a16:creationId xmlns:a16="http://schemas.microsoft.com/office/drawing/2014/main" id="{BDA34148-F6D8-022B-FC7E-7EF419D28C46}"/>
+              </a:ext>
+            </a:extLst>
+          </p:cNvPr>
+          <p:cNvSpPr>
+            <a:spLocks noGrp="1"/>
+          </p:cNvSpPr>
+          <p:nvPr>
+            <p:ph type="title"/>
+          </p:nvPr>
+        </p:nvSpPr>
+        <p:spPr/>
+        <p:txBody>
+          <a:bodyPr/>
+          <a:lstStyle/>
+          <a:p>
+            <a:pPr algn="ctr"/>
+            <a:r>
+              <a:rPr lang="ru-RU" dirty="0"/>
+              <a:t>Базы данных</a:t>
+            </a:r>
+          </a:p>
+        </p:txBody>
+      </p:sp>
+      <p:pic>
+        <p:nvPicPr>
+          <p:cNvPr id="5" name="Объект 4">
+            <a:extLst>
+              <a:ext uri="{FF2B5EF4-FFF2-40B4-BE49-F238E27FC236}">
+                <a16:creationId xmlns:a16="http://schemas.microsoft.com/office/drawing/2014/main" id="{537079E2-60FC-04A0-96A7-914CA47E5D85}"/>
+              </a:ext>
+            </a:extLst>
+          </p:cNvPr>
+          <p:cNvPicPr>
+            <a:picLocks noGrp="1" noChangeAspect="1"/>
+          </p:cNvPicPr>
+          <p:nvPr>
+            <p:ph idx="1"/>
+          </p:nvPr>
+        </p:nvPicPr>
+        <p:blipFill rotWithShape="1">
+          <a:blip r:embed="rId2"/>
+          <a:srcRect l="1" t="-1" r="-417" b="11877"/>
+          <a:stretch/>
+        </p:blipFill>
+        <p:spPr>
+          <a:xfrm>
+            <a:off x="1852878" y="1270000"/>
+            <a:ext cx="6929172" cy="3439320"/>
+          </a:xfrm>
+        </p:spPr>
+      </p:pic>
+    </p:spTree>
+    <p:extLst>
+      <p:ext uri="{BB962C8B-B14F-4D97-AF65-F5344CB8AC3E}">
+        <p14:creationId xmlns:p14="http://schemas.microsoft.com/office/powerpoint/2010/main" val="1859637710"/>
+      </p:ext>
+    </p:extLst>
+  </p:cSld>
+  <p:clrMapOvr>
+    <a:masterClrMapping/>
+  </p:clrMapOvr>
+</p:sld>
+</file>
+
+<file path=ppt/slides/slide11.xml><?xml version="1.0" encoding="utf-8"?>
+<p:sld xmlns:a="http://schemas.openxmlformats.org/drawingml/2006/main" xmlns:r="http://schemas.openxmlformats.org/officeDocument/2006/relationships" xmlns:p="http://schemas.openxmlformats.org/presentationml/2006/main">
+  <p:cSld>
+    <p:spTree>
+      <p:nvGrpSpPr>
+        <p:cNvPr id="1" name=""/>
+        <p:cNvGrpSpPr/>
+        <p:nvPr/>
+      </p:nvGrpSpPr>
+      <p:grpSpPr>
+        <a:xfrm>
+          <a:off x="0" y="0"/>
+          <a:ext cx="0" cy="0"/>
+          <a:chOff x="0" y="0"/>
+          <a:chExt cx="0" cy="0"/>
+        </a:xfrm>
+      </p:grpSpPr>
+      <p:sp>
+        <p:nvSpPr>
+          <p:cNvPr id="2" name="Заголовок 1">
+            <a:extLst>
+              <a:ext uri="{FF2B5EF4-FFF2-40B4-BE49-F238E27FC236}">
                 <a16:creationId xmlns:a16="http://schemas.microsoft.com/office/drawing/2014/main" id="{E3B08979-AF6F-46A0-873F-946A62E79A21}"/>
               </a:ext>
             </a:extLst>
